--- a/2017-11-30_Max_Cut_Final_Presentation.pptx
+++ b/2017-11-30_Max_Cut_Final_Presentation.pptx
@@ -1,6 +1,6 @@
 
 <file path=ppt/presentation.xml><?xml version="1.0" encoding="utf-8"?>
-<p:presentation xmlns:a="http://schemas.openxmlformats.org/drawingml/2006/main" xmlns:r="http://schemas.openxmlformats.org/officeDocument/2006/relationships" xmlns:p="http://schemas.openxmlformats.org/presentationml/2006/main" strictFirstAndLastChars="0" saveSubsetFonts="1" autoCompressPictures="0">
+<p:presentation xmlns:a="http://schemas.openxmlformats.org/drawingml/2006/main" xmlns:r="http://schemas.openxmlformats.org/officeDocument/2006/relationships" xmlns:p="http://schemas.openxmlformats.org/presentationml/2006/main" compatMode="1" strictFirstAndLastChars="0" saveSubsetFonts="1" autoCompressPictures="0">
   <p:sldMasterIdLst>
     <p:sldMasterId id="2147483659" r:id="rId1"/>
   </p:sldMasterIdLst>
@@ -160,11 +160,6 @@
       </a:defRPr>
     </a:lvl9pPr>
   </p:defaultTextStyle>
-  <p:extLst>
-    <p:ext uri="{EFAFB233-063F-42B5-8137-9DF3F51BA10A}">
-      <p15:sldGuideLst xmlns:p15="http://schemas.microsoft.com/office/powerpoint/2012/main"/>
-    </p:ext>
-  </p:extLst>
 </p:presentation>
 </file>
 
@@ -305,7 +300,7 @@
             </a:lvl1pPr>
           </a:lstStyle>
           <a:p>
-            <a:fld id="{99039112-6445-694D-B3C6-72D22363E6ED}" type="datetimeFigureOut">
+            <a:fld id="{20D84C22-9260-F648-B11E-63445245EB80}" type="datetimeFigureOut">
               <a:rPr lang="en-US" altLang="en-US"/>
               <a:pPr/>
               <a:t>11/28/17</a:t>
@@ -429,7 +424,7 @@
             </a:lvl1pPr>
           </a:lstStyle>
           <a:p>
-            <a:fld id="{2638982D-F5E9-294E-B60E-10A0707A6B20}" type="slidenum">
+            <a:fld id="{C9A2CB73-6BBF-E249-BC28-F8CAB4249333}" type="slidenum">
               <a:rPr lang="en-US" altLang="en-US"/>
               <a:pPr/>
               <a:t>‹#›</a:t>
@@ -468,7 +463,7 @@
       </p:grpSpPr>
       <p:sp>
         <p:nvSpPr>
-          <p:cNvPr id="6146" name="Shape 3"/>
+          <p:cNvPr id="8194" name="Shape 3"/>
           <p:cNvSpPr>
             <a:spLocks noGrp="1" noRot="1" noChangeAspect="1"/>
           </p:cNvSpPr>
@@ -486,12 +481,12 @@
             <a:gdLst>
               <a:gd name="T0" fmla="*/ 0 w 120000"/>
               <a:gd name="T1" fmla="*/ 0 h 120000"/>
-              <a:gd name="T2" fmla="*/ 309676800 w 120000"/>
+              <a:gd name="T2" fmla="*/ 2147483646 w 120000"/>
               <a:gd name="T3" fmla="*/ 0 h 120000"/>
-              <a:gd name="T4" fmla="*/ 309676800 w 120000"/>
-              <a:gd name="T5" fmla="*/ 97983675 h 120000"/>
+              <a:gd name="T4" fmla="*/ 2147483646 w 120000"/>
+              <a:gd name="T5" fmla="*/ 2147483646 h 120000"/>
               <a:gd name="T6" fmla="*/ 0 w 120000"/>
-              <a:gd name="T7" fmla="*/ 97983675 h 120000"/>
+              <a:gd name="T7" fmla="*/ 2147483646 h 120000"/>
               <a:gd name="T8" fmla="*/ 0 w 120000"/>
               <a:gd name="T9" fmla="*/ 0 h 120000"/>
               <a:gd name="T10" fmla="*/ 0 60000 65536"/>
@@ -820,7 +815,7 @@
       </p:grpSpPr>
       <p:sp>
         <p:nvSpPr>
-          <p:cNvPr id="9217" name="Shape 70"/>
+          <p:cNvPr id="11265" name="Shape 70"/>
           <p:cNvSpPr>
             <a:spLocks noGrp="1" noRot="1" noChangeAspect="1" noTextEdit="1"/>
           </p:cNvSpPr>
@@ -829,7 +824,6 @@
           </p:nvPr>
         </p:nvSpPr>
         <p:spPr>
-          <a:noFill/>
           <a:ln>
             <a:headEnd/>
             <a:tailEnd/>
@@ -838,7 +832,7 @@
       </p:sp>
       <p:sp>
         <p:nvSpPr>
-          <p:cNvPr id="9218" name="Shape 71"/>
+          <p:cNvPr id="11266" name="Shape 71"/>
           <p:cNvSpPr txBox="1">
             <a:spLocks noGrp="1"/>
           </p:cNvSpPr>
@@ -918,7 +912,7 @@
       </p:grpSpPr>
       <p:sp>
         <p:nvSpPr>
-          <p:cNvPr id="29697" name="Shape 88"/>
+          <p:cNvPr id="27649" name="Shape 88"/>
           <p:cNvSpPr>
             <a:spLocks noGrp="1" noRot="1" noChangeAspect="1" noTextEdit="1"/>
           </p:cNvSpPr>
@@ -927,7 +921,6 @@
           </p:nvPr>
         </p:nvSpPr>
         <p:spPr>
-          <a:noFill/>
           <a:ln>
             <a:headEnd/>
             <a:tailEnd/>
@@ -936,7 +929,7 @@
       </p:sp>
       <p:sp>
         <p:nvSpPr>
-          <p:cNvPr id="29698" name="Shape 89"/>
+          <p:cNvPr id="27650" name="Shape 89"/>
           <p:cNvSpPr txBox="1">
             <a:spLocks noGrp="1"/>
           </p:cNvSpPr>
@@ -1016,7 +1009,7 @@
       </p:grpSpPr>
       <p:sp>
         <p:nvSpPr>
-          <p:cNvPr id="31745" name="Shape 88"/>
+          <p:cNvPr id="29697" name="Shape 88"/>
           <p:cNvSpPr>
             <a:spLocks noGrp="1" noRot="1" noChangeAspect="1" noTextEdit="1"/>
           </p:cNvSpPr>
@@ -1025,7 +1018,6 @@
           </p:nvPr>
         </p:nvSpPr>
         <p:spPr>
-          <a:noFill/>
           <a:ln>
             <a:headEnd/>
             <a:tailEnd/>
@@ -1034,7 +1026,7 @@
       </p:sp>
       <p:sp>
         <p:nvSpPr>
-          <p:cNvPr id="31746" name="Shape 89"/>
+          <p:cNvPr id="29698" name="Shape 89"/>
           <p:cNvSpPr txBox="1">
             <a:spLocks noGrp="1"/>
           </p:cNvSpPr>
@@ -1114,7 +1106,7 @@
       </p:grpSpPr>
       <p:sp>
         <p:nvSpPr>
-          <p:cNvPr id="33793" name="Shape 104"/>
+          <p:cNvPr id="31745" name="Shape 104"/>
           <p:cNvSpPr>
             <a:spLocks noGrp="1" noRot="1" noChangeAspect="1" noTextEdit="1"/>
           </p:cNvSpPr>
@@ -1123,7 +1115,6 @@
           </p:nvPr>
         </p:nvSpPr>
         <p:spPr>
-          <a:noFill/>
           <a:ln>
             <a:headEnd/>
             <a:tailEnd/>
@@ -1132,7 +1123,7 @@
       </p:sp>
       <p:sp>
         <p:nvSpPr>
-          <p:cNvPr id="33794" name="Shape 105"/>
+          <p:cNvPr id="31746" name="Shape 105"/>
           <p:cNvSpPr txBox="1">
             <a:spLocks noGrp="1"/>
           </p:cNvSpPr>
@@ -1212,7 +1203,7 @@
       </p:grpSpPr>
       <p:sp>
         <p:nvSpPr>
-          <p:cNvPr id="11265" name="Shape 75"/>
+          <p:cNvPr id="13313" name="Shape 75"/>
           <p:cNvSpPr>
             <a:spLocks noGrp="1" noRot="1" noChangeAspect="1" noTextEdit="1"/>
           </p:cNvSpPr>
@@ -1221,7 +1212,6 @@
           </p:nvPr>
         </p:nvSpPr>
         <p:spPr>
-          <a:noFill/>
           <a:ln>
             <a:headEnd/>
             <a:tailEnd/>
@@ -1230,7 +1220,7 @@
       </p:sp>
       <p:sp>
         <p:nvSpPr>
-          <p:cNvPr id="11266" name="Shape 76"/>
+          <p:cNvPr id="13314" name="Shape 76"/>
           <p:cNvSpPr txBox="1">
             <a:spLocks noGrp="1"/>
           </p:cNvSpPr>
@@ -1310,7 +1300,7 @@
       </p:grpSpPr>
       <p:sp>
         <p:nvSpPr>
-          <p:cNvPr id="13313" name="Shape 88"/>
+          <p:cNvPr id="15361" name="Shape 88"/>
           <p:cNvSpPr>
             <a:spLocks noGrp="1" noRot="1" noChangeAspect="1" noTextEdit="1"/>
           </p:cNvSpPr>
@@ -1319,7 +1309,6 @@
           </p:nvPr>
         </p:nvSpPr>
         <p:spPr>
-          <a:noFill/>
           <a:ln>
             <a:headEnd/>
             <a:tailEnd/>
@@ -1328,7 +1317,7 @@
       </p:sp>
       <p:sp>
         <p:nvSpPr>
-          <p:cNvPr id="13314" name="Shape 89"/>
+          <p:cNvPr id="15362" name="Shape 89"/>
           <p:cNvSpPr txBox="1">
             <a:spLocks noGrp="1"/>
           </p:cNvSpPr>
@@ -1408,7 +1397,7 @@
       </p:grpSpPr>
       <p:sp>
         <p:nvSpPr>
-          <p:cNvPr id="15361" name="Shape 88"/>
+          <p:cNvPr id="17409" name="Shape 88"/>
           <p:cNvSpPr>
             <a:spLocks noGrp="1" noRot="1" noChangeAspect="1" noTextEdit="1"/>
           </p:cNvSpPr>
@@ -1417,7 +1406,6 @@
           </p:nvPr>
         </p:nvSpPr>
         <p:spPr>
-          <a:noFill/>
           <a:ln>
             <a:headEnd/>
             <a:tailEnd/>
@@ -1426,7 +1414,7 @@
       </p:sp>
       <p:sp>
         <p:nvSpPr>
-          <p:cNvPr id="15362" name="Shape 89"/>
+          <p:cNvPr id="17410" name="Shape 89"/>
           <p:cNvSpPr txBox="1">
             <a:spLocks noGrp="1"/>
           </p:cNvSpPr>
@@ -1515,7 +1503,6 @@
           </p:nvPr>
         </p:nvSpPr>
         <p:spPr>
-          <a:noFill/>
           <a:ln>
             <a:headEnd/>
             <a:tailEnd/>
@@ -1613,7 +1600,6 @@
           </p:nvPr>
         </p:nvSpPr>
         <p:spPr>
-          <a:noFill/>
           <a:ln>
             <a:headEnd/>
             <a:tailEnd/>
@@ -1702,7 +1688,7 @@
       </p:grpSpPr>
       <p:sp>
         <p:nvSpPr>
-          <p:cNvPr id="23553" name="Shape 88"/>
+          <p:cNvPr id="22529" name="Shape 88"/>
           <p:cNvSpPr>
             <a:spLocks noGrp="1" noRot="1" noChangeAspect="1" noTextEdit="1"/>
           </p:cNvSpPr>
@@ -1711,7 +1697,6 @@
           </p:nvPr>
         </p:nvSpPr>
         <p:spPr>
-          <a:noFill/>
           <a:ln>
             <a:headEnd/>
             <a:tailEnd/>
@@ -1720,7 +1705,7 @@
       </p:sp>
       <p:sp>
         <p:nvSpPr>
-          <p:cNvPr id="23554" name="Shape 89"/>
+          <p:cNvPr id="22530" name="Shape 89"/>
           <p:cNvSpPr txBox="1">
             <a:spLocks noGrp="1"/>
           </p:cNvSpPr>
@@ -1800,7 +1785,7 @@
       </p:grpSpPr>
       <p:sp>
         <p:nvSpPr>
-          <p:cNvPr id="25601" name="Shape 88"/>
+          <p:cNvPr id="24577" name="Shape 88"/>
           <p:cNvSpPr>
             <a:spLocks noGrp="1" noRot="1" noChangeAspect="1" noTextEdit="1"/>
           </p:cNvSpPr>
@@ -1809,7 +1794,6 @@
           </p:nvPr>
         </p:nvSpPr>
         <p:spPr>
-          <a:noFill/>
           <a:ln>
             <a:headEnd/>
             <a:tailEnd/>
@@ -1818,7 +1802,7 @@
       </p:sp>
       <p:sp>
         <p:nvSpPr>
-          <p:cNvPr id="25602" name="Shape 89"/>
+          <p:cNvPr id="24578" name="Shape 89"/>
           <p:cNvSpPr txBox="1">
             <a:spLocks noGrp="1"/>
           </p:cNvSpPr>
@@ -1872,11 +1856,6 @@
         </p:txBody>
       </p:sp>
     </p:spTree>
-    <p:extLst>
-      <p:ext uri="{BB962C8B-B14F-4D97-AF65-F5344CB8AC3E}">
-        <p14:creationId xmlns:p14="http://schemas.microsoft.com/office/powerpoint/2010/main" val="1560251711"/>
-      </p:ext>
-    </p:extLst>
   </p:cSld>
   <p:clrMapOvr>
     <a:masterClrMapping/>
@@ -1903,7 +1882,7 @@
       </p:grpSpPr>
       <p:sp>
         <p:nvSpPr>
-          <p:cNvPr id="27649" name="Shape 88"/>
+          <p:cNvPr id="26625" name="Shape 88"/>
           <p:cNvSpPr>
             <a:spLocks noGrp="1" noRot="1" noChangeAspect="1" noTextEdit="1"/>
           </p:cNvSpPr>
@@ -1912,7 +1891,6 @@
           </p:nvPr>
         </p:nvSpPr>
         <p:spPr>
-          <a:noFill/>
           <a:ln>
             <a:headEnd/>
             <a:tailEnd/>
@@ -1921,7 +1899,7 @@
       </p:sp>
       <p:sp>
         <p:nvSpPr>
-          <p:cNvPr id="27650" name="Shape 89"/>
+          <p:cNvPr id="26626" name="Shape 89"/>
           <p:cNvSpPr txBox="1">
             <a:spLocks noGrp="1"/>
           </p:cNvSpPr>
@@ -2117,7 +2095,7 @@
             </a:lvl1pPr>
           </a:lstStyle>
           <a:p>
-            <a:fld id="{F500768E-8AD8-BB49-9551-28D58837737A}" type="slidenum">
+            <a:fld id="{21D9E618-5083-8A49-B79F-9BB20D84B8F2}" type="slidenum">
               <a:rPr lang="en-US" altLang="en-US"/>
               <a:pPr/>
               <a:t>‹#›</a:t>
@@ -2129,7 +2107,7 @@
     </p:spTree>
     <p:extLst>
       <p:ext uri="{BB962C8B-B14F-4D97-AF65-F5344CB8AC3E}">
-        <p14:creationId xmlns:p14="http://schemas.microsoft.com/office/powerpoint/2010/main" val="1908892999"/>
+        <p14:creationId xmlns:p14="http://schemas.microsoft.com/office/powerpoint/2010/main" val="397706692"/>
       </p:ext>
     </p:extLst>
   </p:cSld>
@@ -2683,7 +2661,7 @@
             </a:lvl1pPr>
           </a:lstStyle>
           <a:p>
-            <a:fld id="{55781F59-98B6-F642-BB2B-D1509E3C65C3}" type="slidenum">
+            <a:fld id="{DE2922D0-3B4D-8D4E-B6B5-57BB6F5C3187}" type="slidenum">
               <a:rPr lang="en-US" altLang="en-US"/>
               <a:pPr/>
               <a:t>‹#›</a:t>
@@ -2695,7 +2673,7 @@
     </p:spTree>
     <p:extLst>
       <p:ext uri="{BB962C8B-B14F-4D97-AF65-F5344CB8AC3E}">
-        <p14:creationId xmlns:p14="http://schemas.microsoft.com/office/powerpoint/2010/main" val="1506431660"/>
+        <p14:creationId xmlns:p14="http://schemas.microsoft.com/office/powerpoint/2010/main" val="1287262980"/>
       </p:ext>
     </p:extLst>
   </p:cSld>
@@ -3538,7 +3516,7 @@
             </a:lvl1pPr>
           </a:lstStyle>
           <a:p>
-            <a:fld id="{A408E5F1-8E47-9945-9417-7257860A122F}" type="slidenum">
+            <a:fld id="{AE18C46E-594E-7D42-BEA1-2A9A8DA3F343}" type="slidenum">
               <a:rPr lang="en-US" altLang="en-US"/>
               <a:pPr/>
               <a:t>‹#›</a:t>
@@ -3550,7 +3528,7 @@
     </p:spTree>
     <p:extLst>
       <p:ext uri="{BB962C8B-B14F-4D97-AF65-F5344CB8AC3E}">
-        <p14:creationId xmlns:p14="http://schemas.microsoft.com/office/powerpoint/2010/main" val="1912195137"/>
+        <p14:creationId xmlns:p14="http://schemas.microsoft.com/office/powerpoint/2010/main" val="1278644982"/>
       </p:ext>
     </p:extLst>
   </p:cSld>
@@ -4031,7 +4009,7 @@
             </a:lvl1pPr>
           </a:lstStyle>
           <a:p>
-            <a:fld id="{CE0A8BDB-F3DE-0E4F-9DF3-6B03CD1BD532}" type="slidenum">
+            <a:fld id="{C5E86328-8D36-A443-A8BA-3B26ECFBC896}" type="slidenum">
               <a:rPr lang="en-US" altLang="en-US"/>
               <a:pPr/>
               <a:t>‹#›</a:t>
@@ -4043,7 +4021,7 @@
     </p:spTree>
     <p:extLst>
       <p:ext uri="{BB962C8B-B14F-4D97-AF65-F5344CB8AC3E}">
-        <p14:creationId xmlns:p14="http://schemas.microsoft.com/office/powerpoint/2010/main" val="1170890204"/>
+        <p14:creationId xmlns:p14="http://schemas.microsoft.com/office/powerpoint/2010/main" val="317356945"/>
       </p:ext>
     </p:extLst>
   </p:cSld>
@@ -4080,7 +4058,7 @@
       </p:grpSpPr>
       <p:sp>
         <p:nvSpPr>
-          <p:cNvPr id="1026" name="Shape 6"/>
+          <p:cNvPr id="3074" name="Shape 6"/>
           <p:cNvSpPr txBox="1">
             <a:spLocks noGrp="1"/>
           </p:cNvSpPr>
@@ -4140,7 +4118,7 @@
       </p:sp>
       <p:sp>
         <p:nvSpPr>
-          <p:cNvPr id="1027" name="Shape 7"/>
+          <p:cNvPr id="3075" name="Shape 7"/>
           <p:cNvSpPr txBox="1">
             <a:spLocks noGrp="1"/>
           </p:cNvSpPr>
@@ -4266,7 +4244,7 @@
             <a:pPr>
               <a:defRPr/>
             </a:pPr>
-            <a:fld id="{247A2F0D-BD4A-7C4A-9E00-1B4CE0A57B52}" type="slidenum">
+            <a:fld id="{BDE5A096-DB2C-DB42-A5C6-F91EB678B81B}" type="slidenum">
               <a:rPr lang="en-US" altLang="en-US"/>
               <a:pPr>
                 <a:defRPr/>
@@ -4281,10 +4259,10 @@
   </p:cSld>
   <p:clrMap bg1="lt1" tx1="dk1" bg2="dk2" tx2="lt2" accent1="accent1" accent2="accent2" accent3="accent3" accent4="accent4" accent5="accent5" accent6="accent6" hlink="hlink" folHlink="folHlink"/>
   <p:sldLayoutIdLst>
-    <p:sldLayoutId id="2147483682" r:id="rId1"/>
-    <p:sldLayoutId id="2147483683" r:id="rId2"/>
-    <p:sldLayoutId id="2147483684" r:id="rId3"/>
-    <p:sldLayoutId id="2147483685" r:id="rId4"/>
+    <p:sldLayoutId id="2147483690" r:id="rId1"/>
+    <p:sldLayoutId id="2147483691" r:id="rId2"/>
+    <p:sldLayoutId id="2147483692" r:id="rId3"/>
+    <p:sldLayoutId id="2147483693" r:id="rId4"/>
   </p:sldLayoutIdLst>
   <p:hf sldNum="0" hdr="0" ftr="0" dt="0"/>
   <p:txStyles>
@@ -4861,7 +4839,7 @@
       </p:grpSpPr>
       <p:sp>
         <p:nvSpPr>
-          <p:cNvPr id="8193" name="Shape 73"/>
+          <p:cNvPr id="10241" name="Shape 73"/>
           <p:cNvSpPr txBox="1">
             <a:spLocks noGrp="1"/>
           </p:cNvSpPr>
@@ -4907,7 +4885,7 @@
       </p:sp>
       <p:sp>
         <p:nvSpPr>
-          <p:cNvPr id="8194" name="Shape 68"/>
+          <p:cNvPr id="10242" name="Shape 68"/>
           <p:cNvSpPr txBox="1">
             <a:spLocks/>
           </p:cNvSpPr>
@@ -5122,7 +5100,7 @@
       </p:grpSpPr>
       <p:sp>
         <p:nvSpPr>
-          <p:cNvPr id="28673" name="Shape 73"/>
+          <p:cNvPr id="2049" name="Shape 73"/>
           <p:cNvSpPr txBox="1">
             <a:spLocks/>
           </p:cNvSpPr>
@@ -5336,7 +5314,7 @@
       </p:sp>
       <p:sp>
         <p:nvSpPr>
-          <p:cNvPr id="28674" name="TextBox 1"/>
+          <p:cNvPr id="2050" name="TextBox 1"/>
           <p:cNvSpPr txBox="1">
             <a:spLocks noChangeArrowheads="1"/>
           </p:cNvSpPr>
@@ -5538,13 +5516,7 @@
           <p:cNvGraphicFramePr>
             <a:graphicFrameLocks noGrp="1"/>
           </p:cNvGraphicFramePr>
-          <p:nvPr>
-            <p:extLst>
-              <p:ext uri="{D42A27DB-BD31-4B8C-83A1-F6EECF244321}">
-                <p14:modId xmlns:p14="http://schemas.microsoft.com/office/powerpoint/2010/main" val="1675639348"/>
-              </p:ext>
-            </p:extLst>
-          </p:nvPr>
+          <p:nvPr/>
         </p:nvGraphicFramePr>
         <p:xfrm>
           <a:off x="138113" y="852488"/>
@@ -6891,18 +6863,7 @@
                           <a:ea typeface="Gill Sans" charset="0"/>
                           <a:cs typeface="Gill Sans" charset="0"/>
                         </a:rPr>
-                        <a:t>(~</a:t>
-                      </a:r>
-                      <a:r>
-                        <a:rPr lang="en-US" sz="1400" dirty="0" smtClean="0">
-                          <a:solidFill>
-                            <a:schemeClr val="bg2"/>
-                          </a:solidFill>
-                          <a:latin typeface="Gill Sans" charset="0"/>
-                          <a:ea typeface="Gill Sans" charset="0"/>
-                          <a:cs typeface="Gill Sans" charset="0"/>
-                        </a:rPr>
-                        <a:t>16.5 </a:t>
+                        <a:t>(~16.5 </a:t>
                       </a:r>
                       <a:r>
                         <a:rPr lang="en-US" sz="1400" dirty="0" err="1" smtClean="0">
@@ -7240,7 +7201,7 @@
       </p:grpSpPr>
       <p:sp>
         <p:nvSpPr>
-          <p:cNvPr id="30721" name="Shape 73"/>
+          <p:cNvPr id="28673" name="Shape 73"/>
           <p:cNvSpPr txBox="1">
             <a:spLocks/>
           </p:cNvSpPr>
@@ -7610,7 +7571,7 @@
               <a:buChar char="●"/>
             </a:pPr>
             <a:r>
-              <a:rPr lang="en-US" altLang="en-US" sz="2400" dirty="0">
+              <a:rPr lang="en-US" altLang="en-US" sz="2400">
                 <a:solidFill>
                   <a:srgbClr val="212121"/>
                 </a:solidFill>
@@ -7637,7 +7598,7 @@
               <a:buChar char="●"/>
             </a:pPr>
             <a:r>
-              <a:rPr lang="en-US" altLang="en-US" sz="2400" dirty="0">
+              <a:rPr lang="en-US" altLang="en-US" sz="2400">
                 <a:solidFill>
                   <a:srgbClr val="212121"/>
                 </a:solidFill>
@@ -7663,7 +7624,7 @@
               <a:buFont typeface="Roboto" charset="0"/>
               <a:buChar char="●"/>
             </a:pPr>
-            <a:endParaRPr lang="en-US" altLang="en-US" sz="2400" dirty="0">
+            <a:endParaRPr lang="en-US" altLang="en-US" sz="2400">
               <a:solidFill>
                 <a:srgbClr val="FF0000"/>
               </a:solidFill>
@@ -7688,7 +7649,7 @@
               <a:buChar char="●"/>
             </a:pPr>
             <a:r>
-              <a:rPr lang="en-US" altLang="en-US" sz="2400" dirty="0">
+              <a:rPr lang="en-US" altLang="en-US" sz="2400">
                 <a:solidFill>
                   <a:schemeClr val="bg2"/>
                 </a:solidFill>
@@ -7715,7 +7676,7 @@
               <a:buChar char="●"/>
             </a:pPr>
             <a:r>
-              <a:rPr lang="en-US" altLang="en-US" sz="2400" dirty="0">
+              <a:rPr lang="en-US" altLang="en-US" sz="2400">
                 <a:solidFill>
                   <a:schemeClr val="bg2"/>
                 </a:solidFill>
@@ -7742,7 +7703,7 @@
               <a:buChar char="●"/>
             </a:pPr>
             <a:r>
-              <a:rPr lang="en-US" altLang="en-US" sz="2400" dirty="0">
+              <a:rPr lang="en-US" altLang="en-US" sz="2400">
                 <a:solidFill>
                   <a:schemeClr val="bg2"/>
                 </a:solidFill>
@@ -7753,7 +7714,7 @@
               </a:rPr>
               <a:t>Better lower bound algorithm</a:t>
             </a:r>
-            <a:endParaRPr lang="en-US" altLang="en-US" sz="2400" dirty="0">
+            <a:endParaRPr lang="en-US" altLang="en-US" sz="2400">
               <a:solidFill>
                 <a:srgbClr val="212121"/>
               </a:solidFill>
@@ -7767,7 +7728,7 @@
       </p:sp>
       <p:pic>
         <p:nvPicPr>
-          <p:cNvPr id="30723" name="Picture 2" descr="mage result for timer icon"/>
+          <p:cNvPr id="28675" name="Picture 2" descr="mage result for timer icon"/>
           <p:cNvPicPr>
             <a:picLocks noChangeAspect="1" noChangeArrowheads="1"/>
           </p:cNvPicPr>
@@ -8511,7 +8472,7 @@
       </p:sp>
       <p:sp>
         <p:nvSpPr>
-          <p:cNvPr id="32770" name="Shape 73"/>
+          <p:cNvPr id="30722" name="Shape 73"/>
           <p:cNvSpPr txBox="1">
             <a:spLocks/>
           </p:cNvSpPr>
@@ -8881,7 +8842,7 @@
               <a:buChar char="●"/>
             </a:pPr>
             <a:r>
-              <a:rPr lang="en-US" altLang="en-US" sz="2400" dirty="0">
+              <a:rPr lang="en-US" altLang="en-US" sz="2400">
                 <a:solidFill>
                   <a:srgbClr val="212121"/>
                 </a:solidFill>
@@ -8908,7 +8869,7 @@
               <a:buChar char="●"/>
             </a:pPr>
             <a:r>
-              <a:rPr lang="en-US" altLang="en-US" sz="2400" dirty="0">
+              <a:rPr lang="en-US" altLang="en-US" sz="2400">
                 <a:solidFill>
                   <a:srgbClr val="212121"/>
                 </a:solidFill>
@@ -8935,7 +8896,7 @@
               <a:buChar char="●"/>
             </a:pPr>
             <a:r>
-              <a:rPr lang="en-US" altLang="en-US" sz="2400" dirty="0">
+              <a:rPr lang="en-US" altLang="en-US" sz="2400">
                 <a:solidFill>
                   <a:srgbClr val="212121"/>
                 </a:solidFill>
@@ -8944,29 +8905,8 @@
                 <a:cs typeface="Gill Sans" charset="0"/>
                 <a:sym typeface="Roboto" charset="0"/>
               </a:rPr>
-              <a:t>Our </a:t>
+              <a:t>Our Implementation and Pseudocode</a:t>
             </a:r>
-            <a:r>
-              <a:rPr lang="en-US" altLang="en-US" sz="2400" dirty="0" smtClean="0">
-                <a:solidFill>
-                  <a:srgbClr val="212121"/>
-                </a:solidFill>
-                <a:latin typeface="Gill Sans" charset="0"/>
-                <a:ea typeface="Gill Sans" charset="0"/>
-                <a:cs typeface="Gill Sans" charset="0"/>
-                <a:sym typeface="Roboto" charset="0"/>
-              </a:rPr>
-              <a:t>Implementation and Pseudocode</a:t>
-            </a:r>
-            <a:endParaRPr lang="en-US" altLang="en-US" sz="2400" dirty="0">
-              <a:solidFill>
-                <a:srgbClr val="212121"/>
-              </a:solidFill>
-              <a:latin typeface="Gill Sans" charset="0"/>
-              <a:ea typeface="Gill Sans" charset="0"/>
-              <a:cs typeface="Gill Sans" charset="0"/>
-              <a:sym typeface="Roboto" charset="0"/>
-            </a:endParaRPr>
           </a:p>
           <a:p>
             <a:pPr eaLnBrk="1" hangingPunct="1">
@@ -8983,7 +8923,7 @@
               <a:buChar char="●"/>
             </a:pPr>
             <a:r>
-              <a:rPr lang="en-US" altLang="en-US" sz="2400" dirty="0">
+              <a:rPr lang="en-US" altLang="en-US" sz="2400">
                 <a:solidFill>
                   <a:srgbClr val="212121"/>
                 </a:solidFill>
@@ -9010,7 +8950,7 @@
               <a:buChar char="●"/>
             </a:pPr>
             <a:r>
-              <a:rPr lang="en-US" altLang="en-US" sz="2400" dirty="0">
+              <a:rPr lang="en-US" altLang="en-US" sz="2400">
                 <a:solidFill>
                   <a:srgbClr val="212121"/>
                 </a:solidFill>
@@ -9527,7 +9467,7 @@
       </p:grpSpPr>
       <p:sp>
         <p:nvSpPr>
-          <p:cNvPr id="10241" name="Shape 78"/>
+          <p:cNvPr id="12289" name="Shape 78"/>
           <p:cNvSpPr txBox="1">
             <a:spLocks noGrp="1"/>
           </p:cNvSpPr>
@@ -9607,7 +9547,7 @@
               <a:buChar char="●"/>
             </a:pPr>
             <a:r>
-              <a:rPr lang="en-US" altLang="en-US" sz="2400" dirty="0">
+              <a:rPr lang="en-US" altLang="en-US" sz="2400">
                 <a:solidFill>
                   <a:srgbClr val="737373"/>
                 </a:solidFill>
@@ -9637,7 +9577,7 @@
               <a:buChar char="●"/>
             </a:pPr>
             <a:r>
-              <a:rPr lang="en-US" altLang="en-US" sz="2400" dirty="0" smtClean="0">
+              <a:rPr lang="en-US" altLang="en-US" sz="2400">
                 <a:solidFill>
                   <a:srgbClr val="737373"/>
                 </a:solidFill>
@@ -9646,19 +9586,7 @@
                 <a:cs typeface="Gill Sans" charset="0"/>
                 <a:sym typeface="Roboto" charset="0"/>
               </a:rPr>
-              <a:t>Generic </a:t>
-            </a:r>
-            <a:r>
-              <a:rPr lang="en-US" altLang="en-US" sz="2400" dirty="0">
-                <a:solidFill>
-                  <a:srgbClr val="737373"/>
-                </a:solidFill>
-                <a:latin typeface="Gill Sans" charset="0"/>
-                <a:ea typeface="Gill Sans" charset="0"/>
-                <a:cs typeface="Gill Sans" charset="0"/>
-                <a:sym typeface="Roboto" charset="0"/>
-              </a:rPr>
-              <a:t>Branch and Cut Algorithm</a:t>
+              <a:t>Generic Branch and Cut Algorithm</a:t>
             </a:r>
           </a:p>
           <a:p>
@@ -9679,7 +9607,7 @@
               <a:buChar char="●"/>
             </a:pPr>
             <a:r>
-              <a:rPr lang="en-US" altLang="en-US" sz="2400" dirty="0" smtClean="0">
+              <a:rPr lang="en-US" altLang="en-US" sz="2400">
                 <a:solidFill>
                   <a:srgbClr val="737373"/>
                 </a:solidFill>
@@ -9690,15 +9618,6 @@
               </a:rPr>
               <a:t>Implementation and Pseudocode</a:t>
             </a:r>
-            <a:endParaRPr lang="en-US" altLang="en-US" sz="2400" dirty="0">
-              <a:solidFill>
-                <a:srgbClr val="737373"/>
-              </a:solidFill>
-              <a:latin typeface="Gill Sans" charset="0"/>
-              <a:ea typeface="Gill Sans" charset="0"/>
-              <a:cs typeface="Gill Sans" charset="0"/>
-              <a:sym typeface="Roboto" charset="0"/>
-            </a:endParaRPr>
           </a:p>
           <a:p>
             <a:pPr marL="285750" indent="-285750" eaLnBrk="1" hangingPunct="1">
@@ -9718,7 +9637,7 @@
               <a:buChar char="●"/>
             </a:pPr>
             <a:r>
-              <a:rPr lang="en-US" altLang="en-US" sz="2400" dirty="0">
+              <a:rPr lang="en-US" altLang="en-US" sz="2400">
                 <a:solidFill>
                   <a:srgbClr val="737373"/>
                 </a:solidFill>
@@ -9748,7 +9667,7 @@
               <a:buChar char="●"/>
             </a:pPr>
             <a:r>
-              <a:rPr lang="en-US" altLang="en-US" sz="2400" dirty="0">
+              <a:rPr lang="en-US" altLang="en-US" sz="2400">
                 <a:solidFill>
                   <a:srgbClr val="737373"/>
                 </a:solidFill>
@@ -9764,7 +9683,7 @@
       </p:sp>
       <p:pic>
         <p:nvPicPr>
-          <p:cNvPr id="10243" name="Picture 2" descr="mage result for cut icon"/>
+          <p:cNvPr id="12291" name="Picture 2" descr="mage result for cut icon"/>
           <p:cNvPicPr>
             <a:picLocks noChangeAspect="1" noChangeArrowheads="1"/>
           </p:cNvPicPr>
@@ -10340,7 +10259,7 @@
       </p:grpSpPr>
       <p:sp>
         <p:nvSpPr>
-          <p:cNvPr id="12289" name="Shape 73"/>
+          <p:cNvPr id="14337" name="Shape 73"/>
           <p:cNvSpPr txBox="1">
             <a:spLocks/>
           </p:cNvSpPr>
@@ -10710,7 +10629,7 @@
               <a:buChar char="●"/>
             </a:pPr>
             <a:r>
-              <a:rPr lang="en-US" altLang="en-US" sz="2400" dirty="0">
+              <a:rPr lang="en-US" altLang="en-US" sz="2400">
                 <a:solidFill>
                   <a:srgbClr val="212121"/>
                 </a:solidFill>
@@ -10719,31 +10638,7 @@
                 <a:cs typeface="Gill Sans" charset="0"/>
                 <a:sym typeface="Roboto" charset="0"/>
               </a:rPr>
-              <a:t>Undirected graph G = (V</a:t>
-            </a:r>
-            <a:r>
-              <a:rPr lang="en-US" altLang="en-US" sz="2400" dirty="0" smtClean="0">
-                <a:solidFill>
-                  <a:srgbClr val="212121"/>
-                </a:solidFill>
-                <a:latin typeface="Gill Sans" charset="0"/>
-                <a:ea typeface="Gill Sans" charset="0"/>
-                <a:cs typeface="Gill Sans" charset="0"/>
-                <a:sym typeface="Roboto" charset="0"/>
-              </a:rPr>
-              <a:t>, E</a:t>
-            </a:r>
-            <a:r>
-              <a:rPr lang="en-US" altLang="en-US" sz="2400" dirty="0">
-                <a:solidFill>
-                  <a:srgbClr val="212121"/>
-                </a:solidFill>
-                <a:latin typeface="Gill Sans" charset="0"/>
-                <a:ea typeface="Gill Sans" charset="0"/>
-                <a:cs typeface="Gill Sans" charset="0"/>
-                <a:sym typeface="Roboto" charset="0"/>
-              </a:rPr>
-              <a:t>)</a:t>
+              <a:t>Undirected graph G = (V, E)</a:t>
             </a:r>
           </a:p>
           <a:p>
@@ -10761,7 +10656,7 @@
               <a:buChar char="●"/>
             </a:pPr>
             <a:r>
-              <a:rPr lang="en-US" altLang="en-US" sz="2400" dirty="0">
+              <a:rPr lang="en-US" altLang="en-US" sz="2400">
                 <a:solidFill>
                   <a:srgbClr val="212121"/>
                 </a:solidFill>
@@ -10777,7 +10672,7 @@
       </p:sp>
       <p:pic>
         <p:nvPicPr>
-          <p:cNvPr id="12291" name="Picture 2" descr="mage result for scissors icon"/>
+          <p:cNvPr id="14339" name="Picture 2" descr="mage result for scissors icon"/>
           <p:cNvPicPr>
             <a:picLocks noChangeAspect="1" noChangeArrowheads="1"/>
           </p:cNvPicPr>
@@ -11184,7 +11079,7 @@
       </p:grpSpPr>
       <p:sp>
         <p:nvSpPr>
-          <p:cNvPr id="14337" name="Shape 73"/>
+          <p:cNvPr id="16385" name="Shape 73"/>
           <p:cNvSpPr txBox="1">
             <a:spLocks/>
           </p:cNvSpPr>
@@ -11678,7 +11573,7 @@
       </p:sp>
       <p:pic>
         <p:nvPicPr>
-          <p:cNvPr id="14339" name="Shape 83"/>
+          <p:cNvPr id="16387" name="Shape 83"/>
           <p:cNvPicPr preferRelativeResize="0">
             <a:picLocks noChangeAspect="1" noChangeArrowheads="1"/>
           </p:cNvPicPr>
@@ -12624,7 +12519,7 @@
               <a:buChar char="●"/>
             </a:pPr>
             <a:r>
-              <a:rPr lang="en-US" altLang="en-US" sz="2400">
+              <a:rPr lang="en-US" altLang="en-US" sz="2400" dirty="0">
                 <a:solidFill>
                   <a:srgbClr val="212121"/>
                 </a:solidFill>
@@ -12651,7 +12546,7 @@
               <a:buChar char="●"/>
             </a:pPr>
             <a:r>
-              <a:rPr lang="en-US" altLang="en-US" sz="2400" dirty="0">
+              <a:rPr lang="en-US" altLang="en-US" sz="2400" smtClean="0">
                 <a:solidFill>
                   <a:srgbClr val="212121"/>
                 </a:solidFill>
@@ -12660,7 +12555,19 @@
                 <a:cs typeface="Gill Sans" charset="0"/>
                 <a:sym typeface="Roboto" charset="0"/>
               </a:rPr>
-              <a:t>DFS-like queue of models to keep track of branching</a:t>
+              <a:t>BFS-like </a:t>
+            </a:r>
+            <a:r>
+              <a:rPr lang="en-US" altLang="en-US" sz="2400" dirty="0">
+                <a:solidFill>
+                  <a:srgbClr val="212121"/>
+                </a:solidFill>
+                <a:latin typeface="Gill Sans" charset="0"/>
+                <a:ea typeface="Gill Sans" charset="0"/>
+                <a:cs typeface="Gill Sans" charset="0"/>
+                <a:sym typeface="Roboto" charset="0"/>
+              </a:rPr>
+              <a:t>queue of models to keep track of branching</a:t>
             </a:r>
           </a:p>
           <a:p>
@@ -13628,6 +13535,9 @@
             </a:lvl9pPr>
           </a:lstStyle>
           <a:p>
+            <a:pPr>
+              <a:defRPr/>
+            </a:pPr>
             <a:r>
               <a:rPr lang="en-US" altLang="en-US" dirty="0">
                 <a:solidFill>
@@ -13643,6 +13553,9 @@
             </a:r>
           </a:p>
           <a:p>
+            <a:pPr>
+              <a:defRPr/>
+            </a:pPr>
             <a:r>
               <a:rPr lang="en-US" altLang="en-US" dirty="0">
                 <a:solidFill>
@@ -13658,6 +13571,9 @@
             </a:r>
           </a:p>
           <a:p>
+            <a:pPr>
+              <a:defRPr/>
+            </a:pPr>
             <a:r>
               <a:rPr lang="en-US" altLang="en-US" dirty="0">
                 <a:solidFill>
@@ -13673,6 +13589,9 @@
             </a:r>
           </a:p>
           <a:p>
+            <a:pPr>
+              <a:defRPr/>
+            </a:pPr>
             <a:r>
               <a:rPr lang="en-US" altLang="en-US" dirty="0">
                 <a:solidFill>
@@ -13688,6 +13607,9 @@
             </a:r>
           </a:p>
           <a:p>
+            <a:pPr>
+              <a:defRPr/>
+            </a:pPr>
             <a:r>
               <a:rPr lang="en-US" altLang="en-US" dirty="0">
                 <a:solidFill>
@@ -13729,6 +13651,9 @@
             </a:r>
           </a:p>
           <a:p>
+            <a:pPr>
+              <a:defRPr/>
+            </a:pPr>
             <a:r>
               <a:rPr lang="en-US" altLang="en-US" dirty="0">
                 <a:solidFill>
@@ -13796,6 +13721,9 @@
             </a:r>
           </a:p>
           <a:p>
+            <a:pPr>
+              <a:defRPr/>
+            </a:pPr>
             <a:r>
               <a:rPr lang="en-US" altLang="en-US" dirty="0">
                 <a:solidFill>
@@ -13811,6 +13739,9 @@
             </a:r>
           </a:p>
           <a:p>
+            <a:pPr>
+              <a:defRPr/>
+            </a:pPr>
             <a:r>
               <a:rPr lang="en-US" altLang="en-US" dirty="0">
                 <a:solidFill>
@@ -13852,6 +13783,9 @@
             </a:r>
           </a:p>
           <a:p>
+            <a:pPr>
+              <a:defRPr/>
+            </a:pPr>
             <a:r>
               <a:rPr lang="en-US" altLang="en-US" dirty="0">
                 <a:solidFill>
@@ -13893,6 +13827,9 @@
             </a:r>
           </a:p>
           <a:p>
+            <a:pPr>
+              <a:defRPr/>
+            </a:pPr>
             <a:r>
               <a:rPr lang="en-US" altLang="en-US" dirty="0">
                 <a:solidFill>
@@ -13908,6 +13845,9 @@
             </a:r>
           </a:p>
           <a:p>
+            <a:pPr>
+              <a:defRPr/>
+            </a:pPr>
             <a:r>
               <a:rPr lang="en-US" altLang="en-US" dirty="0">
                 <a:solidFill>
@@ -13923,6 +13863,9 @@
             </a:r>
           </a:p>
           <a:p>
+            <a:pPr>
+              <a:defRPr/>
+            </a:pPr>
             <a:r>
               <a:rPr lang="en-US" altLang="en-US" dirty="0">
                 <a:solidFill>
@@ -13990,6 +13933,9 @@
             </a:r>
           </a:p>
           <a:p>
+            <a:pPr>
+              <a:defRPr/>
+            </a:pPr>
             <a:r>
               <a:rPr lang="en-US" altLang="en-US" dirty="0">
                 <a:solidFill>
@@ -14054,6 +14000,9 @@
             </a:endParaRPr>
           </a:p>
           <a:p>
+            <a:pPr>
+              <a:defRPr/>
+            </a:pPr>
             <a:r>
               <a:rPr lang="en-US" altLang="en-US" dirty="0">
                 <a:solidFill>
@@ -14147,6 +14096,9 @@
             </a:r>
           </a:p>
           <a:p>
+            <a:pPr>
+              <a:defRPr/>
+            </a:pPr>
             <a:r>
               <a:rPr lang="en-US" altLang="en-US" dirty="0">
                 <a:solidFill>
@@ -14162,6 +14114,9 @@
             </a:r>
           </a:p>
           <a:p>
+            <a:pPr>
+              <a:defRPr/>
+            </a:pPr>
             <a:r>
               <a:rPr lang="en-US" altLang="en-US" dirty="0">
                 <a:solidFill>
@@ -14177,6 +14132,9 @@
             </a:r>
           </a:p>
           <a:p>
+            <a:pPr>
+              <a:defRPr/>
+            </a:pPr>
             <a:r>
               <a:rPr lang="en-US" altLang="en-US" dirty="0">
                 <a:solidFill>
@@ -14218,6 +14176,9 @@
             </a:r>
           </a:p>
           <a:p>
+            <a:pPr>
+              <a:defRPr/>
+            </a:pPr>
             <a:r>
               <a:rPr lang="en-US" altLang="en-US" dirty="0">
                 <a:solidFill>
@@ -14259,6 +14220,9 @@
             </a:r>
           </a:p>
           <a:p>
+            <a:pPr>
+              <a:defRPr/>
+            </a:pPr>
             <a:r>
               <a:rPr lang="en-US" altLang="en-US" dirty="0">
                 <a:solidFill>
@@ -14300,6 +14264,9 @@
             </a:r>
           </a:p>
           <a:p>
+            <a:pPr>
+              <a:defRPr/>
+            </a:pPr>
             <a:r>
               <a:rPr lang="en-US" altLang="en-US" dirty="0">
                 <a:solidFill>
@@ -14446,7 +14413,7 @@
       </p:grpSpPr>
       <p:sp>
         <p:nvSpPr>
-          <p:cNvPr id="22529" name="Shape 73"/>
+          <p:cNvPr id="1025" name="Shape 73"/>
           <p:cNvSpPr txBox="1">
             <a:spLocks/>
           </p:cNvSpPr>
@@ -14644,8 +14611,8 @@
         </p:nvSpPr>
         <p:spPr bwMode="auto">
           <a:xfrm>
-            <a:off x="289719" y="1439863"/>
-            <a:ext cx="6000750" cy="2893100"/>
+            <a:off x="290513" y="1439863"/>
+            <a:ext cx="6000750" cy="2892425"/>
           </a:xfrm>
           <a:prstGeom prst="rect">
             <a:avLst/>
@@ -14804,6 +14771,9 @@
             </a:lvl9pPr>
           </a:lstStyle>
           <a:p>
+            <a:pPr>
+              <a:defRPr/>
+            </a:pPr>
             <a:r>
               <a:rPr lang="en-US" altLang="en-US" dirty="0">
                 <a:solidFill>
@@ -14845,6 +14815,9 @@
             </a:r>
           </a:p>
           <a:p>
+            <a:pPr>
+              <a:defRPr/>
+            </a:pPr>
             <a:r>
               <a:rPr lang="en-US" altLang="en-US" dirty="0" smtClean="0">
                 <a:solidFill>
@@ -14873,6 +14846,9 @@
             </a:r>
           </a:p>
           <a:p>
+            <a:pPr>
+              <a:defRPr/>
+            </a:pPr>
             <a:r>
               <a:rPr lang="en-US" altLang="en-US" dirty="0">
                 <a:solidFill>
@@ -14937,6 +14913,9 @@
             </a:endParaRPr>
           </a:p>
           <a:p>
+            <a:pPr>
+              <a:defRPr/>
+            </a:pPr>
             <a:r>
               <a:rPr lang="en-US" altLang="en-US" dirty="0">
                 <a:solidFill>
@@ -15030,6 +15009,9 @@
             </a:r>
           </a:p>
           <a:p>
+            <a:pPr>
+              <a:defRPr/>
+            </a:pPr>
             <a:r>
               <a:rPr lang="en-US" altLang="en-US" dirty="0">
                 <a:solidFill>
@@ -15097,6 +15079,9 @@
             </a:r>
           </a:p>
           <a:p>
+            <a:pPr>
+              <a:defRPr/>
+            </a:pPr>
             <a:r>
               <a:rPr lang="en-US" altLang="en-US" dirty="0">
                 <a:solidFill>
@@ -15203,6 +15188,9 @@
             </a:r>
           </a:p>
           <a:p>
+            <a:pPr>
+              <a:defRPr/>
+            </a:pPr>
             <a:r>
               <a:rPr lang="en-US" altLang="en-US" dirty="0" smtClean="0">
                 <a:solidFill>
@@ -15270,6 +15258,9 @@
             </a:r>
           </a:p>
           <a:p>
+            <a:pPr>
+              <a:defRPr/>
+            </a:pPr>
             <a:r>
               <a:rPr lang="en-US" altLang="en-US" dirty="0">
                 <a:solidFill>
@@ -15348,18 +15339,11 @@
               </a:rPr>
               <a:t>)</a:t>
             </a:r>
-            <a:endParaRPr lang="en-US" altLang="en-US" dirty="0" smtClean="0">
-              <a:solidFill>
-                <a:schemeClr val="bg2">
-                  <a:lumMod val="50000"/>
-                </a:schemeClr>
-              </a:solidFill>
-              <a:latin typeface="Gill Sans" charset="0"/>
-              <a:ea typeface="Gill Sans" charset="0"/>
-              <a:cs typeface="Gill Sans" charset="0"/>
-            </a:endParaRPr>
           </a:p>
           <a:p>
+            <a:pPr>
+              <a:defRPr/>
+            </a:pPr>
             <a:r>
               <a:rPr lang="en-US" altLang="en-US" dirty="0">
                 <a:solidFill>
@@ -15401,6 +15385,9 @@
             </a:r>
           </a:p>
           <a:p>
+            <a:pPr>
+              <a:defRPr/>
+            </a:pPr>
             <a:r>
               <a:rPr lang="en-US" altLang="en-US" dirty="0">
                 <a:solidFill>
@@ -15442,6 +15429,9 @@
             </a:r>
           </a:p>
           <a:p>
+            <a:pPr>
+              <a:defRPr/>
+            </a:pPr>
             <a:r>
               <a:rPr lang="en-US" altLang="en-US" dirty="0">
                 <a:solidFill>
@@ -15509,6 +15499,9 @@
             </a:r>
           </a:p>
           <a:p>
+            <a:pPr>
+              <a:defRPr/>
+            </a:pPr>
             <a:r>
               <a:rPr lang="en-US" altLang="en-US" dirty="0">
                 <a:solidFill>
@@ -15547,6 +15540,9 @@
             </a:endParaRPr>
           </a:p>
           <a:p>
+            <a:pPr>
+              <a:defRPr/>
+            </a:pPr>
             <a:r>
               <a:rPr lang="en-US" altLang="en-US" dirty="0">
                 <a:solidFill>
@@ -20233,7 +20229,7 @@
       </p:grpSpPr>
       <p:sp>
         <p:nvSpPr>
-          <p:cNvPr id="24577" name="Shape 73"/>
+          <p:cNvPr id="23553" name="Shape 73"/>
           <p:cNvSpPr txBox="1">
             <a:spLocks/>
           </p:cNvSpPr>
@@ -20603,7 +20599,7 @@
               <a:buChar char="●"/>
             </a:pPr>
             <a:r>
-              <a:rPr lang="en-US" altLang="en-US" sz="2400" dirty="0" smtClean="0">
+              <a:rPr lang="en-US" altLang="en-US" sz="2400">
                 <a:solidFill>
                   <a:srgbClr val="212121"/>
                 </a:solidFill>
@@ -20612,41 +20608,8 @@
                 <a:cs typeface="Gill Sans" charset="0"/>
                 <a:sym typeface="Roboto" charset="0"/>
               </a:rPr>
-              <a:t>Build </a:t>
+              <a:t>Build pseudograph G’ as in proof for finding shortest odd paths</a:t>
             </a:r>
-            <a:r>
-              <a:rPr lang="en-US" altLang="en-US" sz="2400" dirty="0" err="1" smtClean="0">
-                <a:solidFill>
-                  <a:srgbClr val="212121"/>
-                </a:solidFill>
-                <a:latin typeface="Gill Sans" charset="0"/>
-                <a:ea typeface="Gill Sans" charset="0"/>
-                <a:cs typeface="Gill Sans" charset="0"/>
-                <a:sym typeface="Roboto" charset="0"/>
-              </a:rPr>
-              <a:t>pseudograph</a:t>
-            </a:r>
-            <a:r>
-              <a:rPr lang="en-US" altLang="en-US" sz="2400" dirty="0" smtClean="0">
-                <a:solidFill>
-                  <a:srgbClr val="212121"/>
-                </a:solidFill>
-                <a:latin typeface="Gill Sans" charset="0"/>
-                <a:ea typeface="Gill Sans" charset="0"/>
-                <a:cs typeface="Gill Sans" charset="0"/>
-                <a:sym typeface="Roboto" charset="0"/>
-              </a:rPr>
-              <a:t> G’ as in proof for finding shortest odd paths</a:t>
-            </a:r>
-            <a:endParaRPr lang="en-US" altLang="en-US" sz="2400" dirty="0">
-              <a:solidFill>
-                <a:srgbClr val="212121"/>
-              </a:solidFill>
-              <a:latin typeface="Gill Sans" charset="0"/>
-              <a:ea typeface="Gill Sans" charset="0"/>
-              <a:cs typeface="Gill Sans" charset="0"/>
-              <a:sym typeface="Roboto" charset="0"/>
-            </a:endParaRPr>
           </a:p>
           <a:p>
             <a:pPr eaLnBrk="1" hangingPunct="1">
@@ -20663,7 +20626,7 @@
               <a:buChar char="●"/>
             </a:pPr>
             <a:r>
-              <a:rPr lang="en-US" altLang="en-US" sz="2400" dirty="0" smtClean="0">
+              <a:rPr lang="en-US" altLang="en-US" sz="2400">
                 <a:solidFill>
                   <a:srgbClr val="212121"/>
                 </a:solidFill>
@@ -20675,7 +20638,7 @@
               <a:t>Run Dijkstra’s to find shortest path from v to v’ </a:t>
             </a:r>
             <a:r>
-              <a:rPr lang="en-US" altLang="en-US" sz="2400" b="1" dirty="0" smtClean="0">
+              <a:rPr lang="en-US" altLang="en-US" sz="2400" b="1">
                 <a:solidFill>
                   <a:srgbClr val="212121"/>
                 </a:solidFill>
@@ -20687,7 +20650,7 @@
               <a:t>∀</a:t>
             </a:r>
             <a:r>
-              <a:rPr lang="en-US" altLang="en-US" sz="2400" dirty="0" smtClean="0">
+              <a:rPr lang="en-US" altLang="en-US" sz="2400">
                 <a:solidFill>
                   <a:srgbClr val="212121"/>
                 </a:solidFill>
@@ -20699,7 +20662,7 @@
               <a:t>v</a:t>
             </a:r>
             <a:r>
-              <a:rPr lang="en-US" altLang="en-US" sz="2400" b="1" dirty="0" smtClean="0">
+              <a:rPr lang="en-US" altLang="en-US" sz="2400" b="1">
                 <a:solidFill>
                   <a:srgbClr val="212121"/>
                 </a:solidFill>
@@ -20711,7 +20674,7 @@
               <a:t>∈</a:t>
             </a:r>
             <a:r>
-              <a:rPr lang="en-US" altLang="en-US" sz="2400" dirty="0" smtClean="0">
+              <a:rPr lang="en-US" altLang="en-US" sz="2400">
                 <a:solidFill>
                   <a:srgbClr val="212121"/>
                 </a:solidFill>
@@ -20738,7 +20701,7 @@
               <a:buChar char="●"/>
             </a:pPr>
             <a:r>
-              <a:rPr lang="en-US" altLang="en-US" sz="2400" dirty="0" smtClean="0">
+              <a:rPr lang="en-US" altLang="en-US" sz="2400">
                 <a:solidFill>
                   <a:srgbClr val="212121"/>
                 </a:solidFill>
@@ -20749,15 +20712,6 @@
               </a:rPr>
               <a:t>Isolate odd cycle and add as cut constraint if not already added</a:t>
             </a:r>
-            <a:endParaRPr lang="en-US" altLang="en-US" sz="2400" dirty="0">
-              <a:solidFill>
-                <a:srgbClr val="212121"/>
-              </a:solidFill>
-              <a:latin typeface="Gill Sans" charset="0"/>
-              <a:ea typeface="Gill Sans" charset="0"/>
-              <a:cs typeface="Gill Sans" charset="0"/>
-              <a:sym typeface="Roboto" charset="0"/>
-            </a:endParaRPr>
           </a:p>
           <a:p>
             <a:pPr eaLnBrk="1" hangingPunct="1">
@@ -20774,7 +20728,7 @@
               <a:buChar char="●"/>
             </a:pPr>
             <a:r>
-              <a:rPr lang="en-US" altLang="en-US" sz="2400" dirty="0" smtClean="0">
+              <a:rPr lang="en-US" altLang="en-US" sz="2400">
                 <a:solidFill>
                   <a:srgbClr val="212121"/>
                 </a:solidFill>
@@ -20783,29 +20737,8 @@
                 <a:cs typeface="Gill Sans" charset="0"/>
                 <a:sym typeface="Roboto" charset="0"/>
               </a:rPr>
-              <a:t>Re-optimize with added constraints and with new edge weights, update G</a:t>
+              <a:t>Re-optimize with added constraints and with new edge weights, update G’</a:t>
             </a:r>
-            <a:r>
-              <a:rPr lang="en-US" altLang="en-US" sz="2400" dirty="0" smtClean="0">
-                <a:solidFill>
-                  <a:srgbClr val="212121"/>
-                </a:solidFill>
-                <a:latin typeface="Gill Sans" charset="0"/>
-                <a:ea typeface="Gill Sans" charset="0"/>
-                <a:cs typeface="Gill Sans" charset="0"/>
-                <a:sym typeface="Roboto" charset="0"/>
-              </a:rPr>
-              <a:t>’</a:t>
-            </a:r>
-            <a:endParaRPr lang="en-US" altLang="en-US" sz="2400" dirty="0">
-              <a:solidFill>
-                <a:srgbClr val="212121"/>
-              </a:solidFill>
-              <a:latin typeface="Gill Sans" charset="0"/>
-              <a:ea typeface="Gill Sans" charset="0"/>
-              <a:cs typeface="Gill Sans" charset="0"/>
-              <a:sym typeface="Roboto" charset="0"/>
-            </a:endParaRPr>
           </a:p>
           <a:p>
             <a:pPr eaLnBrk="1" hangingPunct="1">
@@ -20822,7 +20755,7 @@
               <a:buChar char="●"/>
             </a:pPr>
             <a:r>
-              <a:rPr lang="en-US" altLang="en-US" sz="2400" dirty="0" smtClean="0">
+              <a:rPr lang="en-US" altLang="en-US" sz="2400">
                 <a:solidFill>
                   <a:srgbClr val="212121"/>
                 </a:solidFill>
@@ -20833,21 +20766,12 @@
               </a:rPr>
               <a:t>Continue until no more valid cuts can be added or the	    model is solved to an integer solution</a:t>
             </a:r>
-            <a:endParaRPr lang="en-US" altLang="en-US" sz="2400" dirty="0">
-              <a:solidFill>
-                <a:srgbClr val="212121"/>
-              </a:solidFill>
-              <a:latin typeface="Gill Sans" charset="0"/>
-              <a:ea typeface="Gill Sans" charset="0"/>
-              <a:cs typeface="Gill Sans" charset="0"/>
-              <a:sym typeface="Roboto" charset="0"/>
-            </a:endParaRPr>
           </a:p>
         </p:txBody>
       </p:sp>
       <p:pic>
         <p:nvPicPr>
-          <p:cNvPr id="6" name="Picture 2" descr="mage result for scissors icon"/>
+          <p:cNvPr id="23555" name="Picture 2" descr="mage result for scissors icon"/>
           <p:cNvPicPr>
             <a:picLocks noChangeAspect="1" noChangeArrowheads="1"/>
           </p:cNvPicPr>
@@ -20868,8 +20792,8 @@
         </p:blipFill>
         <p:spPr bwMode="auto">
           <a:xfrm>
-            <a:off x="7663070" y="3569159"/>
-            <a:ext cx="1480930" cy="1482266"/>
+            <a:off x="7662863" y="3568700"/>
+            <a:ext cx="1481137" cy="1482725"/>
           </a:xfrm>
           <a:prstGeom prst="rect">
             <a:avLst/>
@@ -20900,11 +20824,6 @@
         </p:spPr>
       </p:pic>
     </p:spTree>
-    <p:extLst>
-      <p:ext uri="{BB962C8B-B14F-4D97-AF65-F5344CB8AC3E}">
-        <p14:creationId xmlns:p14="http://schemas.microsoft.com/office/powerpoint/2010/main" val="311731592"/>
-      </p:ext>
-    </p:extLst>
   </p:cSld>
   <p:clrMapOvr>
     <a:masterClrMapping/>
@@ -20918,7 +20837,7 @@
               <p:cTn id="2" dur="indefinite" nodeType="mainSeq">
                 <p:childTnLst>
                   <p:par>
-                    <p:cTn id="3" fill="hold">
+                    <p:cTn id="3" fill="hold" nodeType="clickPar">
                       <p:stCondLst>
                         <p:cond delay="indefinite"/>
                         <p:cond evt="onBegin" delay="0">
@@ -20927,7 +20846,7 @@
                       </p:stCondLst>
                       <p:childTnLst>
                         <p:par>
-                          <p:cTn id="4" fill="hold">
+                          <p:cTn id="4" fill="hold" nodeType="withGroup">
                             <p:stCondLst>
                               <p:cond delay="0"/>
                             </p:stCondLst>
@@ -21350,8 +21269,8 @@
       </p:par>
     </p:tnLst>
     <p:bldLst>
-      <p:bldP spid="5" grpId="0" uiExpand="1" build="p"/>
-      <p:bldP spid="5" grpId="1" uiExpand="1" build="allAtOnce"/>
+      <p:bldP spid="5" grpId="0" build="p"/>
+      <p:bldP spid="5" grpId="1" build="allAtOnce"/>
     </p:bldLst>
   </p:timing>
 </p:sld>
@@ -21376,7 +21295,7 @@
       </p:grpSpPr>
       <p:sp>
         <p:nvSpPr>
-          <p:cNvPr id="26625" name="Shape 73"/>
+          <p:cNvPr id="25601" name="Shape 73"/>
           <p:cNvSpPr txBox="1">
             <a:spLocks/>
           </p:cNvSpPr>
@@ -21590,7 +21509,7 @@
       </p:sp>
       <p:sp>
         <p:nvSpPr>
-          <p:cNvPr id="26626" name="TextBox 1"/>
+          <p:cNvPr id="25602" name="TextBox 1"/>
           <p:cNvSpPr txBox="1">
             <a:spLocks noChangeArrowheads="1"/>
           </p:cNvSpPr>
@@ -21796,7 +21715,7 @@
         </p:nvGraphicFramePr>
         <p:xfrm>
           <a:off x="312738" y="790575"/>
-          <a:ext cx="8531225" cy="3748086"/>
+          <a:ext cx="8531225" cy="3748088"/>
         </p:xfrm>
         <a:graphic>
           <a:graphicData uri="http://schemas.openxmlformats.org/drawingml/2006/table">

--- a/2017-11-30_Max_Cut_Final_Presentation.pptx
+++ b/2017-11-30_Max_Cut_Final_Presentation.pptx
@@ -1,6 +1,6 @@
 
 <file path=ppt/presentation.xml><?xml version="1.0" encoding="utf-8"?>
-<p:presentation xmlns:a="http://schemas.openxmlformats.org/drawingml/2006/main" xmlns:r="http://schemas.openxmlformats.org/officeDocument/2006/relationships" xmlns:p="http://schemas.openxmlformats.org/presentationml/2006/main" compatMode="1" strictFirstAndLastChars="0" saveSubsetFonts="1" autoCompressPictures="0">
+<p:presentation xmlns:a="http://schemas.openxmlformats.org/drawingml/2006/main" xmlns:r="http://schemas.openxmlformats.org/officeDocument/2006/relationships" xmlns:p="http://schemas.openxmlformats.org/presentationml/2006/main" strictFirstAndLastChars="0" saveSubsetFonts="1" autoCompressPictures="0">
   <p:sldMasterIdLst>
     <p:sldMasterId id="2147483659" r:id="rId1"/>
   </p:sldMasterIdLst>
@@ -160,6 +160,11 @@
       </a:defRPr>
     </a:lvl9pPr>
   </p:defaultTextStyle>
+  <p:extLst>
+    <p:ext uri="{EFAFB233-063F-42B5-8137-9DF3F51BA10A}">
+      <p15:sldGuideLst xmlns:p15="http://schemas.microsoft.com/office/powerpoint/2012/main"/>
+    </p:ext>
+  </p:extLst>
 </p:presentation>
 </file>
 
@@ -303,7 +308,7 @@
             <a:fld id="{20D84C22-9260-F648-B11E-63445245EB80}" type="datetimeFigureOut">
               <a:rPr lang="en-US" altLang="en-US"/>
               <a:pPr/>
-              <a:t>11/28/17</a:t>
+              <a:t>11/29/17</a:t>
             </a:fld>
             <a:endParaRPr lang="en-US" altLang="en-US"/>
           </a:p>
@@ -11253,7 +11258,7 @@
               <a:buNone/>
             </a:pPr>
             <a:r>
-              <a:rPr lang="en-US" altLang="en-US" sz="2800">
+              <a:rPr lang="en-US" altLang="en-US" sz="2800" dirty="0">
                 <a:solidFill>
                   <a:srgbClr val="FFFFFF"/>
                 </a:solidFill>
@@ -11449,7 +11454,7 @@
               <a:buChar char="●"/>
             </a:pPr>
             <a:r>
-              <a:rPr lang="en-US" altLang="en-US" sz="2400">
+              <a:rPr lang="en-US" altLang="en-US" sz="2400" dirty="0">
                 <a:solidFill>
                   <a:srgbClr val="212121"/>
                 </a:solidFill>
@@ -11476,7 +11481,7 @@
               <a:buChar char="●"/>
             </a:pPr>
             <a:r>
-              <a:rPr lang="en-US" altLang="en-US" sz="2400">
+              <a:rPr lang="en-US" altLang="en-US" sz="2400" dirty="0">
                 <a:solidFill>
                   <a:srgbClr val="212121"/>
                 </a:solidFill>
@@ -11503,7 +11508,7 @@
               <a:buChar char="●"/>
             </a:pPr>
             <a:r>
-              <a:rPr lang="en-US" altLang="en-US" sz="2400">
+              <a:rPr lang="en-US" altLang="en-US" sz="2400" dirty="0">
                 <a:solidFill>
                   <a:srgbClr val="212121"/>
                 </a:solidFill>
@@ -11530,7 +11535,7 @@
               <a:buChar char="●"/>
             </a:pPr>
             <a:r>
-              <a:rPr lang="en-US" altLang="en-US" sz="2400">
+              <a:rPr lang="en-US" altLang="en-US" sz="2400" dirty="0">
                 <a:solidFill>
                   <a:srgbClr val="212121"/>
                 </a:solidFill>
@@ -11557,7 +11562,7 @@
               <a:buChar char="●"/>
             </a:pPr>
             <a:r>
-              <a:rPr lang="en-US" altLang="en-US" sz="2400">
+              <a:rPr lang="en-US" altLang="en-US" sz="2400" dirty="0">
                 <a:solidFill>
                   <a:srgbClr val="212121"/>
                 </a:solidFill>
@@ -20599,7 +20604,7 @@
               <a:buChar char="●"/>
             </a:pPr>
             <a:r>
-              <a:rPr lang="en-US" altLang="en-US" sz="2400">
+              <a:rPr lang="en-US" altLang="en-US" sz="2400" dirty="0">
                 <a:solidFill>
                   <a:srgbClr val="212121"/>
                 </a:solidFill>
@@ -20608,7 +20613,31 @@
                 <a:cs typeface="Gill Sans" charset="0"/>
                 <a:sym typeface="Roboto" charset="0"/>
               </a:rPr>
-              <a:t>Build pseudograph G’ as in proof for finding shortest odd paths</a:t>
+              <a:t>Build </a:t>
+            </a:r>
+            <a:r>
+              <a:rPr lang="en-US" altLang="en-US" sz="2400" dirty="0" err="1">
+                <a:solidFill>
+                  <a:srgbClr val="212121"/>
+                </a:solidFill>
+                <a:latin typeface="Gill Sans" charset="0"/>
+                <a:ea typeface="Gill Sans" charset="0"/>
+                <a:cs typeface="Gill Sans" charset="0"/>
+                <a:sym typeface="Roboto" charset="0"/>
+              </a:rPr>
+              <a:t>pseudograph</a:t>
+            </a:r>
+            <a:r>
+              <a:rPr lang="en-US" altLang="en-US" sz="2400" dirty="0">
+                <a:solidFill>
+                  <a:srgbClr val="212121"/>
+                </a:solidFill>
+                <a:latin typeface="Gill Sans" charset="0"/>
+                <a:ea typeface="Gill Sans" charset="0"/>
+                <a:cs typeface="Gill Sans" charset="0"/>
+                <a:sym typeface="Roboto" charset="0"/>
+              </a:rPr>
+              <a:t> G’ as in proof for finding shortest odd paths</a:t>
             </a:r>
           </a:p>
           <a:p>
@@ -20626,7 +20655,7 @@
               <a:buChar char="●"/>
             </a:pPr>
             <a:r>
-              <a:rPr lang="en-US" altLang="en-US" sz="2400">
+              <a:rPr lang="en-US" altLang="en-US" sz="2400" dirty="0">
                 <a:solidFill>
                   <a:srgbClr val="212121"/>
                 </a:solidFill>
@@ -20638,7 +20667,7 @@
               <a:t>Run Dijkstra’s to find shortest path from v to v’ </a:t>
             </a:r>
             <a:r>
-              <a:rPr lang="en-US" altLang="en-US" sz="2400" b="1">
+              <a:rPr lang="en-US" altLang="en-US" sz="2400" b="1" dirty="0">
                 <a:solidFill>
                   <a:srgbClr val="212121"/>
                 </a:solidFill>
@@ -20650,7 +20679,7 @@
               <a:t>∀</a:t>
             </a:r>
             <a:r>
-              <a:rPr lang="en-US" altLang="en-US" sz="2400">
+              <a:rPr lang="en-US" altLang="en-US" sz="2400" dirty="0">
                 <a:solidFill>
                   <a:srgbClr val="212121"/>
                 </a:solidFill>
@@ -20662,7 +20691,7 @@
               <a:t>v</a:t>
             </a:r>
             <a:r>
-              <a:rPr lang="en-US" altLang="en-US" sz="2400" b="1">
+              <a:rPr lang="en-US" altLang="en-US" sz="2400" b="1" dirty="0">
                 <a:solidFill>
                   <a:srgbClr val="212121"/>
                 </a:solidFill>
@@ -20674,7 +20703,7 @@
               <a:t>∈</a:t>
             </a:r>
             <a:r>
-              <a:rPr lang="en-US" altLang="en-US" sz="2400">
+              <a:rPr lang="en-US" altLang="en-US" sz="2400" dirty="0">
                 <a:solidFill>
                   <a:srgbClr val="212121"/>
                 </a:solidFill>
@@ -20701,7 +20730,7 @@
               <a:buChar char="●"/>
             </a:pPr>
             <a:r>
-              <a:rPr lang="en-US" altLang="en-US" sz="2400">
+              <a:rPr lang="en-US" altLang="en-US" sz="2400" dirty="0">
                 <a:solidFill>
                   <a:srgbClr val="212121"/>
                 </a:solidFill>
@@ -20728,7 +20757,7 @@
               <a:buChar char="●"/>
             </a:pPr>
             <a:r>
-              <a:rPr lang="en-US" altLang="en-US" sz="2400">
+              <a:rPr lang="en-US" altLang="en-US" sz="2400" dirty="0">
                 <a:solidFill>
                   <a:srgbClr val="212121"/>
                 </a:solidFill>
@@ -20755,7 +20784,7 @@
               <a:buChar char="●"/>
             </a:pPr>
             <a:r>
-              <a:rPr lang="en-US" altLang="en-US" sz="2400">
+              <a:rPr lang="en-US" altLang="en-US" sz="2400" dirty="0">
                 <a:solidFill>
                   <a:srgbClr val="212121"/>
                 </a:solidFill>
@@ -20883,138 +20912,14 @@
                                 </p:cTn>
                               </p:par>
                               <p:par>
-                                <p:cTn id="7" presetID="1" presetClass="entr" presetSubtype="0" fill="hold" grpId="0" nodeType="withEffect">
-                                  <p:stCondLst>
-                                    <p:cond delay="0"/>
-                                  </p:stCondLst>
-                                  <p:childTnLst>
-                                    <p:set>
-                                      <p:cBhvr>
-                                        <p:cTn id="8" dur="1" fill="hold">
-                                          <p:stCondLst>
-                                            <p:cond delay="0"/>
-                                          </p:stCondLst>
-                                        </p:cTn>
-                                        <p:tgtEl>
-                                          <p:spTgt spid="5">
-                                            <p:txEl>
-                                              <p:pRg st="1" end="1"/>
-                                            </p:txEl>
-                                          </p:spTgt>
-                                        </p:tgtEl>
-                                        <p:attrNameLst>
-                                          <p:attrName>style.visibility</p:attrName>
-                                        </p:attrNameLst>
-                                      </p:cBhvr>
-                                      <p:to>
-                                        <p:strVal val="visible"/>
-                                      </p:to>
-                                    </p:set>
-                                  </p:childTnLst>
-                                </p:cTn>
-                              </p:par>
-                              <p:par>
-                                <p:cTn id="9" presetID="1" presetClass="entr" presetSubtype="0" fill="hold" grpId="0" nodeType="withEffect">
-                                  <p:stCondLst>
-                                    <p:cond delay="0"/>
-                                  </p:stCondLst>
-                                  <p:childTnLst>
-                                    <p:set>
-                                      <p:cBhvr>
-                                        <p:cTn id="10" dur="1" fill="hold">
-                                          <p:stCondLst>
-                                            <p:cond delay="0"/>
-                                          </p:stCondLst>
-                                        </p:cTn>
-                                        <p:tgtEl>
-                                          <p:spTgt spid="5">
-                                            <p:txEl>
-                                              <p:pRg st="2" end="2"/>
-                                            </p:txEl>
-                                          </p:spTgt>
-                                        </p:tgtEl>
-                                        <p:attrNameLst>
-                                          <p:attrName>style.visibility</p:attrName>
-                                        </p:attrNameLst>
-                                      </p:cBhvr>
-                                      <p:to>
-                                        <p:strVal val="visible"/>
-                                      </p:to>
-                                    </p:set>
-                                  </p:childTnLst>
-                                </p:cTn>
-                              </p:par>
-                              <p:par>
-                                <p:cTn id="11" presetID="1" presetClass="entr" presetSubtype="0" fill="hold" grpId="0" nodeType="withEffect">
-                                  <p:stCondLst>
-                                    <p:cond delay="0"/>
-                                  </p:stCondLst>
-                                  <p:childTnLst>
-                                    <p:set>
-                                      <p:cBhvr>
-                                        <p:cTn id="12" dur="1" fill="hold">
-                                          <p:stCondLst>
-                                            <p:cond delay="0"/>
-                                          </p:stCondLst>
-                                        </p:cTn>
-                                        <p:tgtEl>
-                                          <p:spTgt spid="5">
-                                            <p:txEl>
-                                              <p:pRg st="3" end="3"/>
-                                            </p:txEl>
-                                          </p:spTgt>
-                                        </p:tgtEl>
-                                        <p:attrNameLst>
-                                          <p:attrName>style.visibility</p:attrName>
-                                        </p:attrNameLst>
-                                      </p:cBhvr>
-                                      <p:to>
-                                        <p:strVal val="visible"/>
-                                      </p:to>
-                                    </p:set>
-                                  </p:childTnLst>
-                                </p:cTn>
-                              </p:par>
-                              <p:par>
-                                <p:cTn id="13" presetID="1" presetClass="entr" presetSubtype="0" fill="hold" grpId="0" nodeType="withEffect">
-                                  <p:stCondLst>
-                                    <p:cond delay="0"/>
-                                  </p:stCondLst>
-                                  <p:childTnLst>
-                                    <p:set>
-                                      <p:cBhvr>
-                                        <p:cTn id="14" dur="1" fill="hold">
-                                          <p:stCondLst>
-                                            <p:cond delay="0"/>
-                                          </p:stCondLst>
-                                        </p:cTn>
-                                        <p:tgtEl>
-                                          <p:spTgt spid="5">
-                                            <p:txEl>
-                                              <p:pRg st="4" end="4"/>
-                                            </p:txEl>
-                                          </p:spTgt>
-                                        </p:tgtEl>
-                                        <p:attrNameLst>
-                                          <p:attrName>style.visibility</p:attrName>
-                                        </p:attrNameLst>
-                                      </p:cBhvr>
-                                      <p:to>
-                                        <p:strVal val="visible"/>
-                                      </p:to>
-                                    </p:set>
-                                  </p:childTnLst>
-                                </p:cTn>
-                              </p:par>
-                              <p:par>
-                                <p:cTn id="15" presetID="3" presetClass="emph" presetSubtype="2" fill="hold" grpId="1" nodeType="withEffect">
+                                <p:cTn id="7" presetID="3" presetClass="emph" presetSubtype="2" fill="hold" grpId="1" nodeType="withEffect">
                                   <p:stCondLst>
                                     <p:cond delay="0"/>
                                   </p:stCondLst>
                                   <p:childTnLst>
                                     <p:animClr clrSpc="rgb" dir="cw">
                                       <p:cBhvr override="childStyle">
-                                        <p:cTn id="16" dur="500" fill="hold"/>
+                                        <p:cTn id="8" dur="500" fill="hold"/>
                                         <p:tgtEl>
                                           <p:spTgt spid="5">
                                             <p:txEl>
@@ -21053,15 +20958,64 @@
                                   </p:subTnLst>
                                 </p:cTn>
                               </p:par>
+                            </p:childTnLst>
+                          </p:cTn>
+                        </p:par>
+                      </p:childTnLst>
+                    </p:cTn>
+                  </p:par>
+                  <p:par>
+                    <p:cTn id="9" fill="hold">
+                      <p:stCondLst>
+                        <p:cond delay="indefinite"/>
+                      </p:stCondLst>
+                      <p:childTnLst>
+                        <p:par>
+                          <p:cTn id="10" fill="hold">
+                            <p:stCondLst>
+                              <p:cond delay="0"/>
+                            </p:stCondLst>
+                            <p:childTnLst>
                               <p:par>
-                                <p:cTn id="17" presetID="3" presetClass="emph" presetSubtype="2" fill="hold" grpId="1" nodeType="withEffect">
+                                <p:cTn id="11" presetID="1" presetClass="entr" presetSubtype="0" fill="hold" grpId="0" nodeType="clickEffect">
+                                  <p:stCondLst>
+                                    <p:cond delay="0"/>
+                                  </p:stCondLst>
+                                  <p:childTnLst>
+                                    <p:set>
+                                      <p:cBhvr>
+                                        <p:cTn id="12" dur="1" fill="hold">
+                                          <p:stCondLst>
+                                            <p:cond delay="0"/>
+                                          </p:stCondLst>
+                                        </p:cTn>
+                                        <p:tgtEl>
+                                          <p:spTgt spid="5">
+                                            <p:txEl>
+                                              <p:pRg st="1" end="1"/>
+                                            </p:txEl>
+                                          </p:spTgt>
+                                        </p:tgtEl>
+                                        <p:attrNameLst>
+                                          <p:attrName>style.visibility</p:attrName>
+                                        </p:attrNameLst>
+                                      </p:cBhvr>
+                                      <p:to>
+                                        <p:strVal val="visible"/>
+                                      </p:to>
+                                    </p:set>
+                                  </p:childTnLst>
+                                </p:cTn>
+                              </p:par>
+                              <p:par>
+                                <p:cTn id="13" presetID="3" presetClass="emph" presetSubtype="2" fill="hold" grpId="1" nodeType="withEffect">
                                   <p:stCondLst>
                                     <p:cond delay="0"/>
                                   </p:stCondLst>
                                   <p:childTnLst>
                                     <p:animClr clrSpc="rgb" dir="cw">
                                       <p:cBhvr override="childStyle">
-                                        <p:cTn id="18" dur="500" fill="hold"/>
+                                        <p:cTn id="14" dur="500" fill="hold"/>
                                         <p:tgtEl>
                                           <p:spTgt spid="5">
                                             <p:txEl>
@@ -21098,6 +21052,55 @@
                                       </p:to>
                                     </p:animClr>
                                   </p:subTnLst>
+                                </p:cTn>
+                              </p:par>
+                            </p:childTnLst>
+                          </p:cTn>
+                        </p:par>
+                      </p:childTnLst>
+                    </p:cTn>
+                  </p:par>
+                  <p:par>
+                    <p:cTn id="15" fill="hold">
+                      <p:stCondLst>
+                        <p:cond delay="indefinite"/>
+                      </p:stCondLst>
+                      <p:childTnLst>
+                        <p:par>
+                          <p:cTn id="16" fill="hold">
+                            <p:stCondLst>
+                              <p:cond delay="0"/>
+                            </p:stCondLst>
+                            <p:childTnLst>
+                              <p:par>
+                                <p:cTn id="17" presetID="1" presetClass="entr" presetSubtype="0" fill="hold" grpId="0" nodeType="clickEffect">
+                                  <p:stCondLst>
+                                    <p:cond delay="0"/>
+                                  </p:stCondLst>
+                                  <p:childTnLst>
+                                    <p:set>
+                                      <p:cBhvr>
+                                        <p:cTn id="18" dur="1" fill="hold">
+                                          <p:stCondLst>
+                                            <p:cond delay="0"/>
+                                          </p:stCondLst>
+                                        </p:cTn>
+                                        <p:tgtEl>
+                                          <p:spTgt spid="5">
+                                            <p:txEl>
+                                              <p:pRg st="2" end="2"/>
+                                            </p:txEl>
+                                          </p:spTgt>
+                                        </p:tgtEl>
+                                        <p:attrNameLst>
+                                          <p:attrName>style.visibility</p:attrName>
+                                        </p:attrNameLst>
+                                      </p:cBhvr>
+                                      <p:to>
+                                        <p:strVal val="visible"/>
+                                      </p:to>
+                                    </p:set>
+                                  </p:childTnLst>
                                 </p:cTn>
                               </p:par>
                               <p:par>
@@ -21147,15 +21150,64 @@
                                   </p:subTnLst>
                                 </p:cTn>
                               </p:par>
+                            </p:childTnLst>
+                          </p:cTn>
+                        </p:par>
+                      </p:childTnLst>
+                    </p:cTn>
+                  </p:par>
+                  <p:par>
+                    <p:cTn id="21" fill="hold">
+                      <p:stCondLst>
+                        <p:cond delay="indefinite"/>
+                      </p:stCondLst>
+                      <p:childTnLst>
+                        <p:par>
+                          <p:cTn id="22" fill="hold">
+                            <p:stCondLst>
+                              <p:cond delay="0"/>
+                            </p:stCondLst>
+                            <p:childTnLst>
                               <p:par>
-                                <p:cTn id="21" presetID="3" presetClass="emph" presetSubtype="2" fill="hold" grpId="1" nodeType="withEffect">
+                                <p:cTn id="23" presetID="1" presetClass="entr" presetSubtype="0" fill="hold" grpId="0" nodeType="clickEffect">
+                                  <p:stCondLst>
+                                    <p:cond delay="0"/>
+                                  </p:stCondLst>
+                                  <p:childTnLst>
+                                    <p:set>
+                                      <p:cBhvr>
+                                        <p:cTn id="24" dur="1" fill="hold">
+                                          <p:stCondLst>
+                                            <p:cond delay="0"/>
+                                          </p:stCondLst>
+                                        </p:cTn>
+                                        <p:tgtEl>
+                                          <p:spTgt spid="5">
+                                            <p:txEl>
+                                              <p:pRg st="3" end="3"/>
+                                            </p:txEl>
+                                          </p:spTgt>
+                                        </p:tgtEl>
+                                        <p:attrNameLst>
+                                          <p:attrName>style.visibility</p:attrName>
+                                        </p:attrNameLst>
+                                      </p:cBhvr>
+                                      <p:to>
+                                        <p:strVal val="visible"/>
+                                      </p:to>
+                                    </p:set>
+                                  </p:childTnLst>
+                                </p:cTn>
+                              </p:par>
+                              <p:par>
+                                <p:cTn id="25" presetID="3" presetClass="emph" presetSubtype="2" fill="hold" grpId="1" nodeType="withEffect">
                                   <p:stCondLst>
                                     <p:cond delay="0"/>
                                   </p:stCondLst>
                                   <p:childTnLst>
                                     <p:animClr clrSpc="rgb" dir="cw">
                                       <p:cBhvr override="childStyle">
-                                        <p:cTn id="22" dur="500" fill="hold"/>
+                                        <p:cTn id="26" dur="500" fill="hold"/>
                                         <p:tgtEl>
                                           <p:spTgt spid="5">
                                             <p:txEl>
@@ -21194,15 +21246,64 @@
                                   </p:subTnLst>
                                 </p:cTn>
                               </p:par>
+                            </p:childTnLst>
+                          </p:cTn>
+                        </p:par>
+                      </p:childTnLst>
+                    </p:cTn>
+                  </p:par>
+                  <p:par>
+                    <p:cTn id="27" fill="hold">
+                      <p:stCondLst>
+                        <p:cond delay="indefinite"/>
+                      </p:stCondLst>
+                      <p:childTnLst>
+                        <p:par>
+                          <p:cTn id="28" fill="hold">
+                            <p:stCondLst>
+                              <p:cond delay="0"/>
+                            </p:stCondLst>
+                            <p:childTnLst>
                               <p:par>
-                                <p:cTn id="23" presetID="3" presetClass="emph" presetSubtype="2" fill="hold" grpId="1" nodeType="withEffect">
+                                <p:cTn id="29" presetID="1" presetClass="entr" presetSubtype="0" fill="hold" grpId="0" nodeType="clickEffect">
+                                  <p:stCondLst>
+                                    <p:cond delay="0"/>
+                                  </p:stCondLst>
+                                  <p:childTnLst>
+                                    <p:set>
+                                      <p:cBhvr>
+                                        <p:cTn id="30" dur="1" fill="hold">
+                                          <p:stCondLst>
+                                            <p:cond delay="0"/>
+                                          </p:stCondLst>
+                                        </p:cTn>
+                                        <p:tgtEl>
+                                          <p:spTgt spid="5">
+                                            <p:txEl>
+                                              <p:pRg st="4" end="4"/>
+                                            </p:txEl>
+                                          </p:spTgt>
+                                        </p:tgtEl>
+                                        <p:attrNameLst>
+                                          <p:attrName>style.visibility</p:attrName>
+                                        </p:attrNameLst>
+                                      </p:cBhvr>
+                                      <p:to>
+                                        <p:strVal val="visible"/>
+                                      </p:to>
+                                    </p:set>
+                                  </p:childTnLst>
+                                </p:cTn>
+                              </p:par>
+                              <p:par>
+                                <p:cTn id="31" presetID="3" presetClass="emph" presetSubtype="2" fill="hold" grpId="1" nodeType="withEffect">
                                   <p:stCondLst>
                                     <p:cond delay="0"/>
                                   </p:stCondLst>
                                   <p:childTnLst>
                                     <p:animClr clrSpc="rgb" dir="cw">
                                       <p:cBhvr override="childStyle">
-                                        <p:cTn id="24" dur="500" fill="hold"/>
+                                        <p:cTn id="32" dur="500" fill="hold"/>
                                         <p:tgtEl>
                                           <p:spTgt spid="5">
                                             <p:txEl>
@@ -21219,26 +21320,6 @@
                                       </p:to>
                                     </p:animClr>
                                   </p:childTnLst>
-                                  <p:subTnLst>
-                                    <p:animClr clrSpc="rgb" dir="cw">
-                                      <p:cBhvr override="childStyle">
-                                        <p:cTn dur="1" fill="hold" display="0" masterRel="nextClick" afterEffect="1"/>
-                                        <p:tgtEl>
-                                          <p:spTgt spid="5">
-                                            <p:txEl>
-                                              <p:pRg st="4" end="4"/>
-                                            </p:txEl>
-                                          </p:spTgt>
-                                        </p:tgtEl>
-                                        <p:attrNameLst>
-                                          <p:attrName>ppt_c</p:attrName>
-                                        </p:attrNameLst>
-                                      </p:cBhvr>
-                                      <p:to>
-                                        <a:schemeClr val="tx2"/>
-                                      </p:to>
-                                    </p:animClr>
-                                  </p:subTnLst>
                                 </p:cTn>
                               </p:par>
                             </p:childTnLst>
@@ -21269,8 +21350,8 @@
       </p:par>
     </p:tnLst>
     <p:bldLst>
-      <p:bldP spid="5" grpId="0" build="p"/>
-      <p:bldP spid="5" grpId="1" build="allAtOnce"/>
+      <p:bldP spid="5" grpId="0" uiExpand="1" build="p"/>
+      <p:bldP spid="5" grpId="1" uiExpand="1" build="allAtOnce"/>
     </p:bldLst>
   </p:timing>
 </p:sld>
@@ -21715,7 +21796,7 @@
         </p:nvGraphicFramePr>
         <p:xfrm>
           <a:off x="312738" y="790575"/>
-          <a:ext cx="8531225" cy="3748088"/>
+          <a:ext cx="8531225" cy="3748086"/>
         </p:xfrm>
         <a:graphic>
           <a:graphicData uri="http://schemas.openxmlformats.org/drawingml/2006/table">
